--- a/Docs/Flow.pptx
+++ b/Docs/Flow.pptx
@@ -7,6 +7,7 @@
   <p:sldIdLst>
     <p:sldId id="256" r:id="rId2"/>
     <p:sldId id="257" r:id="rId3"/>
+    <p:sldId id="258" r:id="rId4"/>
   </p:sldIdLst>
   <p:sldSz cx="12192000" cy="6858000"/>
   <p:notesSz cx="6858000" cy="9144000"/>
@@ -262,7 +263,7 @@
           <a:p>
             <a:fld id="{D818329C-B7F8-427C-B18B-B7CFE3672456}" type="datetimeFigureOut">
               <a:rPr lang="en-DE" smtClean="0"/>
-              <a:t>05/02/2023</a:t>
+              <a:t>26/02/2023</a:t>
             </a:fld>
             <a:endParaRPr lang="en-DE"/>
           </a:p>
@@ -462,7 +463,7 @@
           <a:p>
             <a:fld id="{D818329C-B7F8-427C-B18B-B7CFE3672456}" type="datetimeFigureOut">
               <a:rPr lang="en-DE" smtClean="0"/>
-              <a:t>05/02/2023</a:t>
+              <a:t>26/02/2023</a:t>
             </a:fld>
             <a:endParaRPr lang="en-DE"/>
           </a:p>
@@ -672,7 +673,7 @@
           <a:p>
             <a:fld id="{D818329C-B7F8-427C-B18B-B7CFE3672456}" type="datetimeFigureOut">
               <a:rPr lang="en-DE" smtClean="0"/>
-              <a:t>05/02/2023</a:t>
+              <a:t>26/02/2023</a:t>
             </a:fld>
             <a:endParaRPr lang="en-DE"/>
           </a:p>
@@ -872,7 +873,7 @@
           <a:p>
             <a:fld id="{D818329C-B7F8-427C-B18B-B7CFE3672456}" type="datetimeFigureOut">
               <a:rPr lang="en-DE" smtClean="0"/>
-              <a:t>05/02/2023</a:t>
+              <a:t>26/02/2023</a:t>
             </a:fld>
             <a:endParaRPr lang="en-DE"/>
           </a:p>
@@ -1148,7 +1149,7 @@
           <a:p>
             <a:fld id="{D818329C-B7F8-427C-B18B-B7CFE3672456}" type="datetimeFigureOut">
               <a:rPr lang="en-DE" smtClean="0"/>
-              <a:t>05/02/2023</a:t>
+              <a:t>26/02/2023</a:t>
             </a:fld>
             <a:endParaRPr lang="en-DE"/>
           </a:p>
@@ -1416,7 +1417,7 @@
           <a:p>
             <a:fld id="{D818329C-B7F8-427C-B18B-B7CFE3672456}" type="datetimeFigureOut">
               <a:rPr lang="en-DE" smtClean="0"/>
-              <a:t>05/02/2023</a:t>
+              <a:t>26/02/2023</a:t>
             </a:fld>
             <a:endParaRPr lang="en-DE"/>
           </a:p>
@@ -1831,7 +1832,7 @@
           <a:p>
             <a:fld id="{D818329C-B7F8-427C-B18B-B7CFE3672456}" type="datetimeFigureOut">
               <a:rPr lang="en-DE" smtClean="0"/>
-              <a:t>05/02/2023</a:t>
+              <a:t>26/02/2023</a:t>
             </a:fld>
             <a:endParaRPr lang="en-DE"/>
           </a:p>
@@ -1973,7 +1974,7 @@
           <a:p>
             <a:fld id="{D818329C-B7F8-427C-B18B-B7CFE3672456}" type="datetimeFigureOut">
               <a:rPr lang="en-DE" smtClean="0"/>
-              <a:t>05/02/2023</a:t>
+              <a:t>26/02/2023</a:t>
             </a:fld>
             <a:endParaRPr lang="en-DE"/>
           </a:p>
@@ -2086,7 +2087,7 @@
           <a:p>
             <a:fld id="{D818329C-B7F8-427C-B18B-B7CFE3672456}" type="datetimeFigureOut">
               <a:rPr lang="en-DE" smtClean="0"/>
-              <a:t>05/02/2023</a:t>
+              <a:t>26/02/2023</a:t>
             </a:fld>
             <a:endParaRPr lang="en-DE"/>
           </a:p>
@@ -2399,7 +2400,7 @@
           <a:p>
             <a:fld id="{D818329C-B7F8-427C-B18B-B7CFE3672456}" type="datetimeFigureOut">
               <a:rPr lang="en-DE" smtClean="0"/>
-              <a:t>05/02/2023</a:t>
+              <a:t>26/02/2023</a:t>
             </a:fld>
             <a:endParaRPr lang="en-DE"/>
           </a:p>
@@ -2688,7 +2689,7 @@
           <a:p>
             <a:fld id="{D818329C-B7F8-427C-B18B-B7CFE3672456}" type="datetimeFigureOut">
               <a:rPr lang="en-DE" smtClean="0"/>
-              <a:t>05/02/2023</a:t>
+              <a:t>26/02/2023</a:t>
             </a:fld>
             <a:endParaRPr lang="en-DE"/>
           </a:p>
@@ -2931,7 +2932,7 @@
           <a:p>
             <a:fld id="{D818329C-B7F8-427C-B18B-B7CFE3672456}" type="datetimeFigureOut">
               <a:rPr lang="en-DE" smtClean="0"/>
-              <a:t>05/02/2023</a:t>
+              <a:t>26/02/2023</a:t>
             </a:fld>
             <a:endParaRPr lang="en-DE"/>
           </a:p>
@@ -4408,10 +4409,517 @@
           <a:chExt cx="0" cy="0"/>
         </a:xfrm>
       </p:grpSpPr>
+      <p:sp>
+        <p:nvSpPr>
+          <p:cNvPr id="2" name="Rectangle 1">
+            <a:extLst>
+              <a:ext uri="{FF2B5EF4-FFF2-40B4-BE49-F238E27FC236}">
+                <a16:creationId xmlns:a16="http://schemas.microsoft.com/office/drawing/2014/main" id="{9077703D-0B28-B496-342F-0FDB7D415E44}"/>
+              </a:ext>
+            </a:extLst>
+          </p:cNvPr>
+          <p:cNvSpPr>
+            <a:spLocks noChangeAspect="1"/>
+          </p:cNvSpPr>
+          <p:nvPr/>
+        </p:nvSpPr>
+        <p:spPr>
+          <a:xfrm>
+            <a:off x="839353" y="582607"/>
+            <a:ext cx="10880000" cy="6120000"/>
+          </a:xfrm>
+          <a:prstGeom prst="rect">
+            <a:avLst/>
+          </a:prstGeom>
+          <a:noFill/>
+          <a:ln w="38100">
+            <a:solidFill>
+              <a:schemeClr val="tx1"/>
+            </a:solidFill>
+          </a:ln>
+        </p:spPr>
+        <p:style>
+          <a:lnRef idx="2">
+            <a:schemeClr val="accent1">
+              <a:shade val="50000"/>
+            </a:schemeClr>
+          </a:lnRef>
+          <a:fillRef idx="1">
+            <a:schemeClr val="accent1"/>
+          </a:fillRef>
+          <a:effectRef idx="0">
+            <a:schemeClr val="accent1"/>
+          </a:effectRef>
+          <a:fontRef idx="minor">
+            <a:schemeClr val="lt1"/>
+          </a:fontRef>
+        </p:style>
+        <p:txBody>
+          <a:bodyPr rtlCol="0" anchor="ctr"/>
+          <a:lstStyle/>
+          <a:p>
+            <a:pPr algn="ctr"/>
+            <a:endParaRPr lang="en-GB"/>
+          </a:p>
+        </p:txBody>
+      </p:sp>
+      <p:graphicFrame>
+        <p:nvGraphicFramePr>
+          <p:cNvPr id="4" name="Table 4">
+            <a:extLst>
+              <a:ext uri="{FF2B5EF4-FFF2-40B4-BE49-F238E27FC236}">
+                <a16:creationId xmlns:a16="http://schemas.microsoft.com/office/drawing/2014/main" id="{5011DE9A-2870-D171-5596-3330FEB8B882}"/>
+              </a:ext>
+            </a:extLst>
+          </p:cNvPr>
+          <p:cNvGraphicFramePr>
+            <a:graphicFrameLocks noGrp="1"/>
+          </p:cNvGraphicFramePr>
+          <p:nvPr>
+            <p:extLst>
+              <p:ext uri="{D42A27DB-BD31-4B8C-83A1-F6EECF244321}">
+                <p14:modId xmlns:p14="http://schemas.microsoft.com/office/powerpoint/2010/main" val="2209347423"/>
+              </p:ext>
+            </p:extLst>
+          </p:nvPr>
+        </p:nvGraphicFramePr>
+        <p:xfrm>
+          <a:off x="0" y="0"/>
+          <a:ext cx="8127999" cy="274320"/>
+        </p:xfrm>
+        <a:graphic>
+          <a:graphicData uri="http://schemas.openxmlformats.org/drawingml/2006/table">
+            <a:tbl>
+              <a:tblPr>
+                <a:tableStyleId>{5C22544A-7EE6-4342-B048-85BDC9FD1C3A}</a:tableStyleId>
+              </a:tblPr>
+              <a:tblGrid>
+                <a:gridCol w="2709333">
+                  <a:extLst>
+                    <a:ext uri="{9D8B030D-6E8A-4147-A177-3AD203B41FA5}">
+                      <a16:colId xmlns:a16="http://schemas.microsoft.com/office/drawing/2014/main" val="3358115342"/>
+                    </a:ext>
+                  </a:extLst>
+                </a:gridCol>
+                <a:gridCol w="2709333">
+                  <a:extLst>
+                    <a:ext uri="{9D8B030D-6E8A-4147-A177-3AD203B41FA5}">
+                      <a16:colId xmlns:a16="http://schemas.microsoft.com/office/drawing/2014/main" val="3086530690"/>
+                    </a:ext>
+                  </a:extLst>
+                </a:gridCol>
+                <a:gridCol w="2709333">
+                  <a:extLst>
+                    <a:ext uri="{9D8B030D-6E8A-4147-A177-3AD203B41FA5}">
+                      <a16:colId xmlns:a16="http://schemas.microsoft.com/office/drawing/2014/main" val="1629297206"/>
+                    </a:ext>
+                  </a:extLst>
+                </a:gridCol>
+              </a:tblGrid>
+              <a:tr h="223520">
+                <a:tc>
+                  <a:txBody>
+                    <a:bodyPr/>
+                    <a:lstStyle/>
+                    <a:p>
+                      <a:r>
+                        <a:rPr lang="en-GB" sz="1200" dirty="0"/>
+                        <a:t>Screen</a:t>
+                      </a:r>
+                    </a:p>
+                  </a:txBody>
+                  <a:tcPr>
+                    <a:solidFill>
+                      <a:schemeClr val="bg2">
+                        <a:lumMod val="90000"/>
+                      </a:schemeClr>
+                    </a:solidFill>
+                  </a:tcPr>
+                </a:tc>
+                <a:tc>
+                  <a:txBody>
+                    <a:bodyPr/>
+                    <a:lstStyle/>
+                    <a:p>
+                      <a:r>
+                        <a:rPr lang="en-GB" sz="1200" dirty="0"/>
+                        <a:t>TEMPALTE</a:t>
+                      </a:r>
+                    </a:p>
+                  </a:txBody>
+                  <a:tcPr>
+                    <a:solidFill>
+                      <a:schemeClr val="bg2">
+                        <a:lumMod val="90000"/>
+                      </a:schemeClr>
+                    </a:solidFill>
+                  </a:tcPr>
+                </a:tc>
+                <a:tc>
+                  <a:txBody>
+                    <a:bodyPr/>
+                    <a:lstStyle/>
+                    <a:p>
+                      <a:r>
+                        <a:rPr lang="en-GB" sz="1200" dirty="0" err="1"/>
+                        <a:t>pf_screen_v</a:t>
+                      </a:r>
+                      <a:endParaRPr lang="en-GB" sz="1200" dirty="0"/>
+                    </a:p>
+                  </a:txBody>
+                  <a:tcPr>
+                    <a:solidFill>
+                      <a:schemeClr val="bg2">
+                        <a:lumMod val="90000"/>
+                      </a:schemeClr>
+                    </a:solidFill>
+                  </a:tcPr>
+                </a:tc>
+                <a:extLst>
+                  <a:ext uri="{0D108BD9-81ED-4DB2-BD59-A6C34878D82A}">
+                    <a16:rowId xmlns:a16="http://schemas.microsoft.com/office/drawing/2014/main" val="2634613886"/>
+                  </a:ext>
+                </a:extLst>
+              </a:tr>
+            </a:tbl>
+          </a:graphicData>
+        </a:graphic>
+      </p:graphicFrame>
     </p:spTree>
     <p:extLst>
       <p:ext uri="{BB962C8B-B14F-4D97-AF65-F5344CB8AC3E}">
         <p14:creationId xmlns:p14="http://schemas.microsoft.com/office/powerpoint/2010/main" val="2905816593"/>
+      </p:ext>
+    </p:extLst>
+  </p:cSld>
+  <p:clrMapOvr>
+    <a:masterClrMapping/>
+  </p:clrMapOvr>
+</p:sld>
+</file>
+
+<file path=ppt/slides/slide3.xml><?xml version="1.0" encoding="utf-8"?>
+<p:sld xmlns:a="http://schemas.openxmlformats.org/drawingml/2006/main" xmlns:r="http://schemas.openxmlformats.org/officeDocument/2006/relationships" xmlns:p="http://schemas.openxmlformats.org/presentationml/2006/main">
+  <p:cSld>
+    <p:spTree>
+      <p:nvGrpSpPr>
+        <p:cNvPr id="1" name=""/>
+        <p:cNvGrpSpPr/>
+        <p:nvPr/>
+      </p:nvGrpSpPr>
+      <p:grpSpPr>
+        <a:xfrm>
+          <a:off x="0" y="0"/>
+          <a:ext cx="0" cy="0"/>
+          <a:chOff x="0" y="0"/>
+          <a:chExt cx="0" cy="0"/>
+        </a:xfrm>
+      </p:grpSpPr>
+      <p:sp>
+        <p:nvSpPr>
+          <p:cNvPr id="2" name="Rectangle 1">
+            <a:extLst>
+              <a:ext uri="{FF2B5EF4-FFF2-40B4-BE49-F238E27FC236}">
+                <a16:creationId xmlns:a16="http://schemas.microsoft.com/office/drawing/2014/main" id="{9077703D-0B28-B496-342F-0FDB7D415E44}"/>
+              </a:ext>
+            </a:extLst>
+          </p:cNvPr>
+          <p:cNvSpPr>
+            <a:spLocks noChangeAspect="1"/>
+          </p:cNvSpPr>
+          <p:nvPr/>
+        </p:nvSpPr>
+        <p:spPr>
+          <a:xfrm>
+            <a:off x="839353" y="582607"/>
+            <a:ext cx="10880000" cy="6120000"/>
+          </a:xfrm>
+          <a:prstGeom prst="rect">
+            <a:avLst/>
+          </a:prstGeom>
+          <a:solidFill>
+            <a:schemeClr val="bg1">
+              <a:lumMod val="50000"/>
+            </a:schemeClr>
+          </a:solidFill>
+          <a:ln w="38100">
+            <a:solidFill>
+              <a:schemeClr val="tx1"/>
+            </a:solidFill>
+          </a:ln>
+        </p:spPr>
+        <p:style>
+          <a:lnRef idx="2">
+            <a:schemeClr val="accent1">
+              <a:shade val="50000"/>
+            </a:schemeClr>
+          </a:lnRef>
+          <a:fillRef idx="1">
+            <a:schemeClr val="accent1"/>
+          </a:fillRef>
+          <a:effectRef idx="0">
+            <a:schemeClr val="accent1"/>
+          </a:effectRef>
+          <a:fontRef idx="minor">
+            <a:schemeClr val="lt1"/>
+          </a:fontRef>
+        </p:style>
+        <p:txBody>
+          <a:bodyPr rtlCol="0" anchor="ctr"/>
+          <a:lstStyle/>
+          <a:p>
+            <a:pPr algn="ctr"/>
+            <a:endParaRPr lang="en-GB"/>
+          </a:p>
+        </p:txBody>
+      </p:sp>
+      <p:graphicFrame>
+        <p:nvGraphicFramePr>
+          <p:cNvPr id="4" name="Table 4">
+            <a:extLst>
+              <a:ext uri="{FF2B5EF4-FFF2-40B4-BE49-F238E27FC236}">
+                <a16:creationId xmlns:a16="http://schemas.microsoft.com/office/drawing/2014/main" id="{5011DE9A-2870-D171-5596-3330FEB8B882}"/>
+              </a:ext>
+            </a:extLst>
+          </p:cNvPr>
+          <p:cNvGraphicFramePr>
+            <a:graphicFrameLocks noGrp="1"/>
+          </p:cNvGraphicFramePr>
+          <p:nvPr/>
+        </p:nvGraphicFramePr>
+        <p:xfrm>
+          <a:off x="0" y="0"/>
+          <a:ext cx="8127999" cy="274320"/>
+        </p:xfrm>
+        <a:graphic>
+          <a:graphicData uri="http://schemas.openxmlformats.org/drawingml/2006/table">
+            <a:tbl>
+              <a:tblPr>
+                <a:tableStyleId>{5C22544A-7EE6-4342-B048-85BDC9FD1C3A}</a:tableStyleId>
+              </a:tblPr>
+              <a:tblGrid>
+                <a:gridCol w="2709333">
+                  <a:extLst>
+                    <a:ext uri="{9D8B030D-6E8A-4147-A177-3AD203B41FA5}">
+                      <a16:colId xmlns:a16="http://schemas.microsoft.com/office/drawing/2014/main" val="3358115342"/>
+                    </a:ext>
+                  </a:extLst>
+                </a:gridCol>
+                <a:gridCol w="2709333">
+                  <a:extLst>
+                    <a:ext uri="{9D8B030D-6E8A-4147-A177-3AD203B41FA5}">
+                      <a16:colId xmlns:a16="http://schemas.microsoft.com/office/drawing/2014/main" val="3086530690"/>
+                    </a:ext>
+                  </a:extLst>
+                </a:gridCol>
+                <a:gridCol w="2709333">
+                  <a:extLst>
+                    <a:ext uri="{9D8B030D-6E8A-4147-A177-3AD203B41FA5}">
+                      <a16:colId xmlns:a16="http://schemas.microsoft.com/office/drawing/2014/main" val="1629297206"/>
+                    </a:ext>
+                  </a:extLst>
+                </a:gridCol>
+              </a:tblGrid>
+              <a:tr h="223520">
+                <a:tc>
+                  <a:txBody>
+                    <a:bodyPr/>
+                    <a:lstStyle/>
+                    <a:p>
+                      <a:r>
+                        <a:rPr lang="en-GB" sz="1200" dirty="0"/>
+                        <a:t>Screen</a:t>
+                      </a:r>
+                    </a:p>
+                  </a:txBody>
+                  <a:tcPr>
+                    <a:solidFill>
+                      <a:schemeClr val="bg2">
+                        <a:lumMod val="90000"/>
+                      </a:schemeClr>
+                    </a:solidFill>
+                  </a:tcPr>
+                </a:tc>
+                <a:tc>
+                  <a:txBody>
+                    <a:bodyPr/>
+                    <a:lstStyle/>
+                    <a:p>
+                      <a:r>
+                        <a:rPr lang="en-GB" sz="1200" dirty="0"/>
+                        <a:t>Title</a:t>
+                      </a:r>
+                    </a:p>
+                  </a:txBody>
+                  <a:tcPr>
+                    <a:solidFill>
+                      <a:schemeClr val="bg2">
+                        <a:lumMod val="90000"/>
+                      </a:schemeClr>
+                    </a:solidFill>
+                  </a:tcPr>
+                </a:tc>
+                <a:tc>
+                  <a:txBody>
+                    <a:bodyPr/>
+                    <a:lstStyle/>
+                    <a:p>
+                      <a:r>
+                        <a:rPr lang="en-GB" sz="1200" dirty="0" err="1"/>
+                        <a:t>pf_screen_v_title</a:t>
+                      </a:r>
+                      <a:endParaRPr lang="en-GB" sz="1200" dirty="0"/>
+                    </a:p>
+                  </a:txBody>
+                  <a:tcPr>
+                    <a:solidFill>
+                      <a:schemeClr val="bg2">
+                        <a:lumMod val="90000"/>
+                      </a:schemeClr>
+                    </a:solidFill>
+                  </a:tcPr>
+                </a:tc>
+                <a:extLst>
+                  <a:ext uri="{0D108BD9-81ED-4DB2-BD59-A6C34878D82A}">
+                    <a16:rowId xmlns:a16="http://schemas.microsoft.com/office/drawing/2014/main" val="2634613886"/>
+                  </a:ext>
+                </a:extLst>
+              </a:tr>
+            </a:tbl>
+          </a:graphicData>
+        </a:graphic>
+      </p:graphicFrame>
+      <p:sp>
+        <p:nvSpPr>
+          <p:cNvPr id="3" name="Rectangle: Rounded Corners 2">
+            <a:extLst>
+              <a:ext uri="{FF2B5EF4-FFF2-40B4-BE49-F238E27FC236}">
+                <a16:creationId xmlns:a16="http://schemas.microsoft.com/office/drawing/2014/main" id="{C0CCCF7C-2364-FF62-B408-6CD276631978}"/>
+              </a:ext>
+            </a:extLst>
+          </p:cNvPr>
+          <p:cNvSpPr/>
+          <p:nvPr/>
+        </p:nvSpPr>
+        <p:spPr>
+          <a:xfrm>
+            <a:off x="4588000" y="2202256"/>
+            <a:ext cx="1800000" cy="1800000"/>
+          </a:xfrm>
+          <a:prstGeom prst="roundRect">
+            <a:avLst>
+              <a:gd name="adj" fmla="val 5819"/>
+            </a:avLst>
+          </a:prstGeom>
+          <a:ln w="76200">
+            <a:solidFill>
+              <a:schemeClr val="bg1"/>
+            </a:solidFill>
+          </a:ln>
+          <a:scene3d>
+            <a:camera prst="orthographicFront"/>
+            <a:lightRig rig="soft" dir="t"/>
+          </a:scene3d>
+          <a:sp3d>
+            <a:bevelT/>
+            <a:contourClr>
+              <a:schemeClr val="bg1"/>
+            </a:contourClr>
+          </a:sp3d>
+        </p:spPr>
+        <p:style>
+          <a:lnRef idx="2">
+            <a:schemeClr val="accent1">
+              <a:shade val="50000"/>
+            </a:schemeClr>
+          </a:lnRef>
+          <a:fillRef idx="1">
+            <a:schemeClr val="accent1"/>
+          </a:fillRef>
+          <a:effectRef idx="0">
+            <a:schemeClr val="accent1"/>
+          </a:effectRef>
+          <a:fontRef idx="minor">
+            <a:schemeClr val="lt1"/>
+          </a:fontRef>
+        </p:style>
+        <p:txBody>
+          <a:bodyPr rtlCol="0" anchor="ctr"/>
+          <a:lstStyle/>
+          <a:p>
+            <a:pPr algn="ctr"/>
+            <a:endParaRPr lang="en-GB"/>
+          </a:p>
+        </p:txBody>
+      </p:sp>
+      <p:sp>
+        <p:nvSpPr>
+          <p:cNvPr id="6" name="Rectangle: Rounded Corners 5">
+            <a:extLst>
+              <a:ext uri="{FF2B5EF4-FFF2-40B4-BE49-F238E27FC236}">
+                <a16:creationId xmlns:a16="http://schemas.microsoft.com/office/drawing/2014/main" id="{A5A997BB-C4D9-AA6E-95C2-1A6A93F09F11}"/>
+              </a:ext>
+            </a:extLst>
+          </p:cNvPr>
+          <p:cNvSpPr/>
+          <p:nvPr/>
+        </p:nvSpPr>
+        <p:spPr>
+          <a:xfrm>
+            <a:off x="6652982" y="2230158"/>
+            <a:ext cx="1744196" cy="1744196"/>
+          </a:xfrm>
+          <a:prstGeom prst="roundRect">
+            <a:avLst>
+              <a:gd name="adj" fmla="val 5819"/>
+            </a:avLst>
+          </a:prstGeom>
+          <a:solidFill>
+            <a:schemeClr val="bg1"/>
+          </a:solidFill>
+          <a:ln w="76200">
+            <a:noFill/>
+          </a:ln>
+          <a:scene3d>
+            <a:camera prst="orthographicFront"/>
+            <a:lightRig rig="soft" dir="t"/>
+          </a:scene3d>
+          <a:sp3d>
+            <a:bevelT/>
+            <a:contourClr>
+              <a:schemeClr val="bg1"/>
+            </a:contourClr>
+          </a:sp3d>
+        </p:spPr>
+        <p:style>
+          <a:lnRef idx="2">
+            <a:schemeClr val="accent1">
+              <a:shade val="50000"/>
+            </a:schemeClr>
+          </a:lnRef>
+          <a:fillRef idx="1">
+            <a:schemeClr val="accent1"/>
+          </a:fillRef>
+          <a:effectRef idx="0">
+            <a:schemeClr val="accent1"/>
+          </a:effectRef>
+          <a:fontRef idx="minor">
+            <a:schemeClr val="lt1"/>
+          </a:fontRef>
+        </p:style>
+        <p:txBody>
+          <a:bodyPr rtlCol="0" anchor="ctr"/>
+          <a:lstStyle/>
+          <a:p>
+            <a:pPr algn="ctr"/>
+            <a:endParaRPr lang="en-GB"/>
+          </a:p>
+        </p:txBody>
+      </p:sp>
+    </p:spTree>
+    <p:extLst>
+      <p:ext uri="{BB962C8B-B14F-4D97-AF65-F5344CB8AC3E}">
+        <p14:creationId xmlns:p14="http://schemas.microsoft.com/office/powerpoint/2010/main" val="91875046"/>
       </p:ext>
     </p:extLst>
   </p:cSld>
